--- a/Powerpoint/Django_Project.pptx
+++ b/Powerpoint/Django_Project.pptx
@@ -285,7 +285,7 @@
       </p15:sldGuideLst>
     </p:ext>
     <p:ext uri="GoogleSlidesCustomDataVersion2">
-      <go:slidesCustomData xmlns:go="http://customooxmlschemas.google.com/" r:id="rId25" roundtripDataSignature="AMtx7mj/RMUdS0y4pt8yaHoTyLxUkLw7wQ=="/>
+      <go:slidesCustomData xmlns:go="http://customooxmlschemas.google.com/" r:id="rId25" roundtripDataSignature="AMtx7miNVc2GzqJJvWrBV5woUEdxfs5mwQ=="/>
     </p:ext>
   </p:extLst>
 </p:presentation>
@@ -1049,7 +1049,7 @@
   <p:cSld>
     <p:spTree>
       <p:nvGrpSpPr>
-        <p:cNvPr id="142" name="Shape 142"/>
+        <p:cNvPr id="143" name="Shape 143"/>
         <p:cNvGrpSpPr/>
         <p:nvPr/>
       </p:nvGrpSpPr>
@@ -1063,7 +1063,7 @@
       </p:grpSpPr>
       <p:sp>
         <p:nvSpPr>
-          <p:cNvPr id="143" name="Google Shape;143;p43:notes"/>
+          <p:cNvPr id="144" name="Google Shape;144;p43:notes"/>
           <p:cNvSpPr txBox="1"/>
           <p:nvPr>
             <p:ph idx="1" type="body"/>
@@ -1110,7 +1110,7 @@
       </p:sp>
       <p:sp>
         <p:nvSpPr>
-          <p:cNvPr id="144" name="Google Shape;144;p43:notes"/>
+          <p:cNvPr id="145" name="Google Shape;145;p43:notes"/>
           <p:cNvSpPr/>
           <p:nvPr>
             <p:ph idx="2" type="sldImg"/>
@@ -1166,7 +1166,7 @@
   <p:cSld>
     <p:spTree>
       <p:nvGrpSpPr>
-        <p:cNvPr id="149" name="Shape 149"/>
+        <p:cNvPr id="150" name="Shape 150"/>
         <p:cNvGrpSpPr/>
         <p:nvPr/>
       </p:nvGrpSpPr>
@@ -1180,7 +1180,7 @@
       </p:grpSpPr>
       <p:sp>
         <p:nvSpPr>
-          <p:cNvPr id="150" name="Google Shape;150;p46:notes"/>
+          <p:cNvPr id="151" name="Google Shape;151;p46:notes"/>
           <p:cNvSpPr txBox="1"/>
           <p:nvPr>
             <p:ph idx="1" type="body"/>
@@ -1227,7 +1227,7 @@
       </p:sp>
       <p:sp>
         <p:nvSpPr>
-          <p:cNvPr id="151" name="Google Shape;151;p46:notes"/>
+          <p:cNvPr id="152" name="Google Shape;152;p46:notes"/>
           <p:cNvSpPr/>
           <p:nvPr>
             <p:ph idx="2" type="sldImg"/>
@@ -1283,7 +1283,7 @@
   <p:cSld>
     <p:spTree>
       <p:nvGrpSpPr>
-        <p:cNvPr id="155" name="Shape 155"/>
+        <p:cNvPr id="156" name="Shape 156"/>
         <p:cNvGrpSpPr/>
         <p:nvPr/>
       </p:nvGrpSpPr>
@@ -1297,7 +1297,7 @@
       </p:grpSpPr>
       <p:sp>
         <p:nvSpPr>
-          <p:cNvPr id="156" name="Google Shape;156;p48:notes"/>
+          <p:cNvPr id="157" name="Google Shape;157;g26d7b22060f_0_3:notes"/>
           <p:cNvSpPr txBox="1"/>
           <p:nvPr>
             <p:ph idx="1" type="body"/>
@@ -1344,7 +1344,7 @@
       </p:sp>
       <p:sp>
         <p:nvSpPr>
-          <p:cNvPr id="157" name="Google Shape;157;p48:notes"/>
+          <p:cNvPr id="158" name="Google Shape;158;g26d7b22060f_0_3:notes"/>
           <p:cNvSpPr/>
           <p:nvPr>
             <p:ph idx="2" type="sldImg"/>
@@ -1353,7 +1353,7 @@
         <p:spPr>
           <a:xfrm>
             <a:off x="381300" y="685800"/>
-            <a:ext cx="6096075" cy="3429000"/>
+            <a:ext cx="6096000" cy="3429000"/>
           </a:xfrm>
           <a:custGeom>
             <a:rect b="b" l="l" r="r" t="t"/>
@@ -1400,7 +1400,7 @@
   <p:cSld>
     <p:spTree>
       <p:nvGrpSpPr>
-        <p:cNvPr id="160" name="Shape 160"/>
+        <p:cNvPr id="162" name="Shape 162"/>
         <p:cNvGrpSpPr/>
         <p:nvPr/>
       </p:nvGrpSpPr>
@@ -1414,7 +1414,7 @@
       </p:grpSpPr>
       <p:sp>
         <p:nvSpPr>
-          <p:cNvPr id="161" name="Google Shape;161;p49:notes"/>
+          <p:cNvPr id="163" name="Google Shape;163;p49:notes"/>
           <p:cNvSpPr txBox="1"/>
           <p:nvPr>
             <p:ph idx="1" type="body"/>
@@ -1461,7 +1461,7 @@
       </p:sp>
       <p:sp>
         <p:nvSpPr>
-          <p:cNvPr id="162" name="Google Shape;162;p49:notes"/>
+          <p:cNvPr id="164" name="Google Shape;164;p49:notes"/>
           <p:cNvSpPr/>
           <p:nvPr>
             <p:ph idx="2" type="sldImg"/>
@@ -1517,7 +1517,7 @@
   <p:cSld>
     <p:spTree>
       <p:nvGrpSpPr>
-        <p:cNvPr id="166" name="Shape 166"/>
+        <p:cNvPr id="168" name="Shape 168"/>
         <p:cNvGrpSpPr/>
         <p:nvPr/>
       </p:nvGrpSpPr>
@@ -1531,7 +1531,7 @@
       </p:grpSpPr>
       <p:sp>
         <p:nvSpPr>
-          <p:cNvPr id="167" name="Google Shape;167;p50:notes"/>
+          <p:cNvPr id="169" name="Google Shape;169;p50:notes"/>
           <p:cNvSpPr txBox="1"/>
           <p:nvPr>
             <p:ph idx="1" type="body"/>
@@ -1578,7 +1578,7 @@
       </p:sp>
       <p:sp>
         <p:nvSpPr>
-          <p:cNvPr id="168" name="Google Shape;168;p50:notes"/>
+          <p:cNvPr id="170" name="Google Shape;170;p50:notes"/>
           <p:cNvSpPr/>
           <p:nvPr>
             <p:ph idx="2" type="sldImg"/>
@@ -1634,7 +1634,7 @@
   <p:cSld>
     <p:spTree>
       <p:nvGrpSpPr>
-        <p:cNvPr id="173" name="Shape 173"/>
+        <p:cNvPr id="175" name="Shape 175"/>
         <p:cNvGrpSpPr/>
         <p:nvPr/>
       </p:nvGrpSpPr>
@@ -1648,7 +1648,7 @@
       </p:grpSpPr>
       <p:sp>
         <p:nvSpPr>
-          <p:cNvPr id="174" name="Google Shape;174;p51:notes"/>
+          <p:cNvPr id="176" name="Google Shape;176;p51:notes"/>
           <p:cNvSpPr/>
           <p:nvPr>
             <p:ph idx="2" type="sldImg"/>
@@ -1693,7 +1693,7 @@
       </p:sp>
       <p:sp>
         <p:nvSpPr>
-          <p:cNvPr id="175" name="Google Shape;175;p51:notes"/>
+          <p:cNvPr id="177" name="Google Shape;177;p51:notes"/>
           <p:cNvSpPr txBox="1"/>
           <p:nvPr>
             <p:ph idx="1" type="body"/>
@@ -13448,7 +13448,7 @@
   <p:cSld>
     <p:spTree>
       <p:nvGrpSpPr>
-        <p:cNvPr id="145" name="Shape 145"/>
+        <p:cNvPr id="146" name="Shape 146"/>
         <p:cNvGrpSpPr/>
         <p:nvPr/>
       </p:nvGrpSpPr>
@@ -13462,7 +13462,7 @@
       </p:grpSpPr>
       <p:sp>
         <p:nvSpPr>
-          <p:cNvPr id="146" name="Google Shape;146;p43"/>
+          <p:cNvPr id="147" name="Google Shape;147;p43"/>
           <p:cNvSpPr txBox="1"/>
           <p:nvPr>
             <p:ph type="title"/>
@@ -13952,7 +13952,7 @@
       </p:sp>
       <p:cxnSp>
         <p:nvCxnSpPr>
-          <p:cNvPr id="147" name="Google Shape;147;p43"/>
+          <p:cNvPr id="148" name="Google Shape;148;p43"/>
           <p:cNvCxnSpPr/>
           <p:nvPr/>
         </p:nvCxnSpPr>
@@ -13978,7 +13978,7 @@
       </p:cxnSp>
       <p:sp>
         <p:nvSpPr>
-          <p:cNvPr id="148" name="Google Shape;148;p43"/>
+          <p:cNvPr id="149" name="Google Shape;149;p43"/>
           <p:cNvSpPr txBox="1"/>
           <p:nvPr/>
         </p:nvSpPr>
@@ -14055,7 +14055,7 @@
   <p:cSld>
     <p:spTree>
       <p:nvGrpSpPr>
-        <p:cNvPr id="152" name="Shape 152"/>
+        <p:cNvPr id="153" name="Shape 153"/>
         <p:cNvGrpSpPr/>
         <p:nvPr/>
       </p:nvGrpSpPr>
@@ -14069,7 +14069,7 @@
       </p:grpSpPr>
       <p:sp>
         <p:nvSpPr>
-          <p:cNvPr id="153" name="Google Shape;153;p46"/>
+          <p:cNvPr id="154" name="Google Shape;154;p46"/>
           <p:cNvSpPr txBox="1"/>
           <p:nvPr>
             <p:ph type="title"/>
@@ -14109,7 +14109,11 @@
             </a:pPr>
             <a:r>
               <a:rPr b="1" lang="en"/>
-              <a:t>Service-Page</a:t>
+              <a:t>Home</a:t>
+            </a:r>
+            <a:r>
+              <a:rPr b="1" lang="en"/>
+              <a:t>-Page</a:t>
             </a:r>
             <a:endParaRPr/>
           </a:p>
@@ -14117,21 +14121,22 @@
       </p:sp>
       <p:pic>
         <p:nvPicPr>
-          <p:cNvPr id="154" name="Google Shape;154;p46"/>
+          <p:cNvPr id="155" name="Google Shape;155;p46"/>
           <p:cNvPicPr preferRelativeResize="0"/>
           <p:nvPr/>
         </p:nvPicPr>
-        <p:blipFill rotWithShape="1">
+        <p:blipFill>
           <a:blip r:embed="rId3">
             <a:alphaModFix/>
           </a:blip>
-          <a:srcRect b="0" l="0" r="0" t="0"/>
-          <a:stretch/>
+          <a:stretch>
+            <a:fillRect/>
+          </a:stretch>
         </p:blipFill>
         <p:spPr>
           <a:xfrm>
-            <a:off x="872100" y="1267650"/>
-            <a:ext cx="7642899" cy="3571049"/>
+            <a:off x="810300" y="1070750"/>
+            <a:ext cx="7208642" cy="3636251"/>
           </a:xfrm>
           <a:prstGeom prst="rect">
             <a:avLst/>
@@ -14155,7 +14160,7 @@
   <p:cSld>
     <p:spTree>
       <p:nvGrpSpPr>
-        <p:cNvPr id="158" name="Shape 158"/>
+        <p:cNvPr id="159" name="Shape 159"/>
         <p:cNvGrpSpPr/>
         <p:nvPr/>
       </p:nvGrpSpPr>
@@ -14167,23 +14172,76 @@
           <a:chExt cx="0" cy="0"/>
         </a:xfrm>
       </p:grpSpPr>
+      <p:sp>
+        <p:nvSpPr>
+          <p:cNvPr id="160" name="Google Shape;160;g26d7b22060f_0_3"/>
+          <p:cNvSpPr txBox="1"/>
+          <p:nvPr>
+            <p:ph type="title"/>
+          </p:nvPr>
+        </p:nvSpPr>
+        <p:spPr>
+          <a:xfrm>
+            <a:off x="628785" y="569750"/>
+            <a:ext cx="7886400" cy="632700"/>
+          </a:xfrm>
+          <a:prstGeom prst="rect">
+            <a:avLst/>
+          </a:prstGeom>
+          <a:noFill/>
+          <a:ln>
+            <a:noFill/>
+          </a:ln>
+        </p:spPr>
+        <p:txBody>
+          <a:bodyPr anchorCtr="0" anchor="ctr" bIns="0" lIns="0" spcFirstLastPara="1" rIns="0" wrap="square" tIns="0">
+            <a:noAutofit/>
+          </a:bodyPr>
+          <a:lstStyle/>
+          <a:p>
+            <a:pPr indent="0" lvl="0" marL="0" rtl="0" algn="ctr">
+              <a:lnSpc>
+                <a:spcPct val="100000"/>
+              </a:lnSpc>
+              <a:spcBef>
+                <a:spcPts val="0"/>
+              </a:spcBef>
+              <a:spcAft>
+                <a:spcPts val="0"/>
+              </a:spcAft>
+              <a:buSzPts val="1400"/>
+              <a:buNone/>
+            </a:pPr>
+            <a:r>
+              <a:rPr b="1" lang="en"/>
+              <a:t>Search</a:t>
+            </a:r>
+            <a:r>
+              <a:rPr b="1" lang="en"/>
+              <a:t>-Page</a:t>
+            </a:r>
+            <a:endParaRPr/>
+          </a:p>
+        </p:txBody>
+      </p:sp>
       <p:pic>
         <p:nvPicPr>
-          <p:cNvPr id="159" name="Google Shape;159;p48"/>
+          <p:cNvPr id="161" name="Google Shape;161;g26d7b22060f_0_3"/>
           <p:cNvPicPr preferRelativeResize="0"/>
           <p:nvPr/>
         </p:nvPicPr>
-        <p:blipFill rotWithShape="1">
+        <p:blipFill>
           <a:blip r:embed="rId3">
             <a:alphaModFix/>
           </a:blip>
-          <a:srcRect b="0" l="0" r="0" t="0"/>
-          <a:stretch/>
+          <a:stretch>
+            <a:fillRect/>
+          </a:stretch>
         </p:blipFill>
         <p:spPr>
           <a:xfrm>
-            <a:off x="152400" y="776425"/>
-            <a:ext cx="8309900" cy="3893675"/>
+            <a:off x="780375" y="1123100"/>
+            <a:ext cx="7160269" cy="3636250"/>
           </a:xfrm>
           <a:prstGeom prst="rect">
             <a:avLst/>
@@ -14207,7 +14265,7 @@
   <p:cSld>
     <p:spTree>
       <p:nvGrpSpPr>
-        <p:cNvPr id="163" name="Shape 163"/>
+        <p:cNvPr id="165" name="Shape 165"/>
         <p:cNvGrpSpPr/>
         <p:nvPr/>
       </p:nvGrpSpPr>
@@ -14221,7 +14279,7 @@
       </p:grpSpPr>
       <p:sp>
         <p:nvSpPr>
-          <p:cNvPr id="164" name="Google Shape;164;p49"/>
+          <p:cNvPr id="166" name="Google Shape;166;p49"/>
           <p:cNvSpPr txBox="1"/>
           <p:nvPr>
             <p:ph type="title"/>
@@ -14300,7 +14358,7 @@
       </p:sp>
       <p:sp>
         <p:nvSpPr>
-          <p:cNvPr id="165" name="Google Shape;165;p49"/>
+          <p:cNvPr id="167" name="Google Shape;167;p49"/>
           <p:cNvSpPr txBox="1"/>
           <p:nvPr/>
         </p:nvSpPr>
@@ -14856,7 +14914,7 @@
   <p:cSld>
     <p:spTree>
       <p:nvGrpSpPr>
-        <p:cNvPr id="169" name="Shape 169"/>
+        <p:cNvPr id="171" name="Shape 171"/>
         <p:cNvGrpSpPr/>
         <p:nvPr/>
       </p:nvGrpSpPr>
@@ -14870,7 +14928,7 @@
       </p:grpSpPr>
       <p:sp>
         <p:nvSpPr>
-          <p:cNvPr id="170" name="Google Shape;170;p50"/>
+          <p:cNvPr id="172" name="Google Shape;172;p50"/>
           <p:cNvSpPr txBox="1"/>
           <p:nvPr>
             <p:ph type="title"/>
@@ -14978,7 +15036,7 @@
       </p:sp>
       <p:cxnSp>
         <p:nvCxnSpPr>
-          <p:cNvPr id="171" name="Google Shape;171;p50"/>
+          <p:cNvPr id="173" name="Google Shape;173;p50"/>
           <p:cNvCxnSpPr/>
           <p:nvPr/>
         </p:nvCxnSpPr>
@@ -15004,7 +15062,7 @@
       </p:cxnSp>
       <p:sp>
         <p:nvSpPr>
-          <p:cNvPr id="172" name="Google Shape;172;p50"/>
+          <p:cNvPr id="174" name="Google Shape;174;p50"/>
           <p:cNvSpPr txBox="1"/>
           <p:nvPr/>
         </p:nvSpPr>
@@ -15081,7 +15139,7 @@
   <p:cSld>
     <p:spTree>
       <p:nvGrpSpPr>
-        <p:cNvPr id="176" name="Shape 176"/>
+        <p:cNvPr id="178" name="Shape 178"/>
         <p:cNvGrpSpPr/>
         <p:nvPr/>
       </p:nvGrpSpPr>
@@ -15095,7 +15153,7 @@
       </p:grpSpPr>
       <p:sp>
         <p:nvSpPr>
-          <p:cNvPr id="177" name="Google Shape;177;p51"/>
+          <p:cNvPr id="179" name="Google Shape;179;p51"/>
           <p:cNvSpPr txBox="1"/>
           <p:nvPr>
             <p:ph type="title"/>
@@ -17152,7 +17210,7 @@
         <p:spPr>
           <a:xfrm>
             <a:off x="-84668" y="615950"/>
-            <a:ext cx="8951601" cy="4064000"/>
+            <a:ext cx="8951700" cy="4064100"/>
           </a:xfrm>
           <a:custGeom>
             <a:rect b="b" l="l" r="r" t="t"/>
@@ -17231,63 +17289,9 @@
           </a:p>
         </p:txBody>
       </p:sp>
-      <p:pic>
-        <p:nvPicPr>
-          <p:cNvPr id="136" name="Google Shape;136;p42"/>
-          <p:cNvPicPr preferRelativeResize="0"/>
-          <p:nvPr/>
-        </p:nvPicPr>
-        <p:blipFill rotWithShape="1">
-          <a:blip r:embed="rId3">
-            <a:alphaModFix/>
-          </a:blip>
-          <a:srcRect b="0" l="0" r="0" t="0"/>
-          <a:stretch/>
-        </p:blipFill>
-        <p:spPr>
-          <a:xfrm>
-            <a:off x="1021171" y="1723257"/>
-            <a:ext cx="2956469" cy="2573047"/>
-          </a:xfrm>
-          <a:prstGeom prst="rect">
-            <a:avLst/>
-          </a:prstGeom>
-          <a:noFill/>
-          <a:ln>
-            <a:noFill/>
-          </a:ln>
-        </p:spPr>
-      </p:pic>
-      <p:pic>
-        <p:nvPicPr>
-          <p:cNvPr id="137" name="Google Shape;137;p42"/>
-          <p:cNvPicPr preferRelativeResize="0"/>
-          <p:nvPr/>
-        </p:nvPicPr>
-        <p:blipFill rotWithShape="1">
-          <a:blip r:embed="rId4">
-            <a:alphaModFix/>
-          </a:blip>
-          <a:srcRect b="0" l="0" r="0" t="0"/>
-          <a:stretch/>
-        </p:blipFill>
-        <p:spPr>
-          <a:xfrm>
-            <a:off x="4564380" y="1712692"/>
-            <a:ext cx="4165599" cy="2090952"/>
-          </a:xfrm>
-          <a:prstGeom prst="rect">
-            <a:avLst/>
-          </a:prstGeom>
-          <a:noFill/>
-          <a:ln>
-            <a:noFill/>
-          </a:ln>
-        </p:spPr>
-      </p:pic>
       <p:sp>
         <p:nvSpPr>
-          <p:cNvPr id="138" name="Google Shape;138;p42"/>
+          <p:cNvPr id="136" name="Google Shape;136;p42"/>
           <p:cNvSpPr txBox="1"/>
           <p:nvPr/>
         </p:nvSpPr>
@@ -17353,7 +17357,7 @@
       </p:sp>
       <p:sp>
         <p:nvSpPr>
-          <p:cNvPr id="139" name="Google Shape;139;p42"/>
+          <p:cNvPr id="137" name="Google Shape;137;p42"/>
           <p:cNvSpPr txBox="1"/>
           <p:nvPr/>
         </p:nvSpPr>
@@ -17419,7 +17423,7 @@
       </p:sp>
       <p:cxnSp>
         <p:nvCxnSpPr>
-          <p:cNvPr id="140" name="Google Shape;140;p42"/>
+          <p:cNvPr id="138" name="Google Shape;138;p42"/>
           <p:cNvCxnSpPr/>
           <p:nvPr/>
         </p:nvCxnSpPr>
@@ -17445,7 +17449,7 @@
       </p:cxnSp>
       <p:sp>
         <p:nvSpPr>
-          <p:cNvPr id="141" name="Google Shape;141;p42"/>
+          <p:cNvPr id="139" name="Google Shape;139;p42"/>
           <p:cNvSpPr txBox="1"/>
           <p:nvPr/>
         </p:nvSpPr>
@@ -17509,6 +17513,90 @@
           </a:p>
         </p:txBody>
       </p:sp>
+      <p:pic>
+        <p:nvPicPr>
+          <p:cNvPr id="140" name="Google Shape;140;p42"/>
+          <p:cNvPicPr preferRelativeResize="0"/>
+          <p:nvPr/>
+        </p:nvPicPr>
+        <p:blipFill>
+          <a:blip r:embed="rId3">
+            <a:alphaModFix/>
+          </a:blip>
+          <a:stretch>
+            <a:fillRect/>
+          </a:stretch>
+        </p:blipFill>
+        <p:spPr>
+          <a:xfrm>
+            <a:off x="1780225" y="1770165"/>
+            <a:ext cx="1705250" cy="995660"/>
+          </a:xfrm>
+          <a:prstGeom prst="rect">
+            <a:avLst/>
+          </a:prstGeom>
+          <a:noFill/>
+          <a:ln>
+            <a:noFill/>
+          </a:ln>
+        </p:spPr>
+      </p:pic>
+      <p:pic>
+        <p:nvPicPr>
+          <p:cNvPr id="141" name="Google Shape;141;p42"/>
+          <p:cNvPicPr preferRelativeResize="0"/>
+          <p:nvPr/>
+        </p:nvPicPr>
+        <p:blipFill>
+          <a:blip r:embed="rId4">
+            <a:alphaModFix/>
+          </a:blip>
+          <a:stretch>
+            <a:fillRect/>
+          </a:stretch>
+        </p:blipFill>
+        <p:spPr>
+          <a:xfrm>
+            <a:off x="1780232" y="2765819"/>
+            <a:ext cx="1705249" cy="1363275"/>
+          </a:xfrm>
+          <a:prstGeom prst="rect">
+            <a:avLst/>
+          </a:prstGeom>
+          <a:noFill/>
+          <a:ln>
+            <a:noFill/>
+          </a:ln>
+        </p:spPr>
+      </p:pic>
+      <p:pic>
+        <p:nvPicPr>
+          <p:cNvPr id="142" name="Google Shape;142;p42"/>
+          <p:cNvPicPr preferRelativeResize="0"/>
+          <p:nvPr/>
+        </p:nvPicPr>
+        <p:blipFill>
+          <a:blip r:embed="rId5">
+            <a:alphaModFix/>
+          </a:blip>
+          <a:stretch>
+            <a:fillRect/>
+          </a:stretch>
+        </p:blipFill>
+        <p:spPr>
+          <a:xfrm>
+            <a:off x="5280300" y="1770175"/>
+            <a:ext cx="2898400" cy="2173800"/>
+          </a:xfrm>
+          <a:prstGeom prst="rect">
+            <a:avLst/>
+          </a:prstGeom>
+          <a:noFill/>
+          <a:ln>
+            <a:noFill/>
+          </a:ln>
+        </p:spPr>
+      </p:pic>
     </p:spTree>
   </p:cSld>
   <p:clrMapOvr>
@@ -17518,6 +17606,285 @@
 </file>
 
 <file path=ppt/theme/theme1.xml><?xml version="1.0" encoding="utf-8"?>
+<a:theme xmlns:a="http://schemas.openxmlformats.org/drawingml/2006/main" xmlns:r="http://schemas.openxmlformats.org/officeDocument/2006/relationships">
+  <a:themeElements>
+    <a:clrScheme name="Default">
+      <a:dk1>
+        <a:srgbClr val="000000"/>
+      </a:dk1>
+      <a:lt1>
+        <a:srgbClr val="FFFFFF"/>
+      </a:lt1>
+      <a:dk2>
+        <a:srgbClr val="158158"/>
+      </a:dk2>
+      <a:lt2>
+        <a:srgbClr val="F3F3F3"/>
+      </a:lt2>
+      <a:accent1>
+        <a:srgbClr val="058DC7"/>
+      </a:accent1>
+      <a:accent2>
+        <a:srgbClr val="50B432"/>
+      </a:accent2>
+      <a:accent3>
+        <a:srgbClr val="ED561B"/>
+      </a:accent3>
+      <a:accent4>
+        <a:srgbClr val="EDEF00"/>
+      </a:accent4>
+      <a:accent5>
+        <a:srgbClr val="24CBE5"/>
+      </a:accent5>
+      <a:accent6>
+        <a:srgbClr val="64E572"/>
+      </a:accent6>
+      <a:hlink>
+        <a:srgbClr val="2200CC"/>
+      </a:hlink>
+      <a:folHlink>
+        <a:srgbClr val="551A8B"/>
+      </a:folHlink>
+    </a:clrScheme>
+    <a:fontScheme name="Office">
+      <a:majorFont>
+        <a:latin typeface="Arial"/>
+        <a:ea typeface=""/>
+        <a:cs typeface=""/>
+        <a:font script="Jpan" typeface="ＭＳ Ｐゴシック"/>
+        <a:font script="Hang" typeface="맑은 고딕"/>
+        <a:font script="Hans" typeface="宋体"/>
+        <a:font script="Hant" typeface="新細明體"/>
+        <a:font script="Arab" typeface="Times New Roman"/>
+        <a:font script="Hebr" typeface="Times New Roman"/>
+        <a:font script="Thai" typeface="Angsana New"/>
+        <a:font script="Ethi" typeface="Nyala"/>
+        <a:font script="Beng" typeface="Vrinda"/>
+        <a:font script="Gujr" typeface="Shruti"/>
+        <a:font script="Khmr" typeface="MoolBoran"/>
+        <a:font script="Knda" typeface="Tunga"/>
+        <a:font script="Guru" typeface="Raavi"/>
+        <a:font script="Cans" typeface="Euphemia"/>
+        <a:font script="Cher" typeface="Plantagenet Cherokee"/>
+        <a:font script="Yiii" typeface="Microsoft Yi Baiti"/>
+        <a:font script="Tibt" typeface="Microsoft Himalaya"/>
+        <a:font script="Thaa" typeface="MV Boli"/>
+        <a:font script="Deva" typeface="Mangal"/>
+        <a:font script="Telu" typeface="Gautami"/>
+        <a:font script="Taml" typeface="Latha"/>
+        <a:font script="Syrc" typeface="Estrangelo Edessa"/>
+        <a:font script="Orya" typeface="Kalinga"/>
+        <a:font script="Mlym" typeface="Kartika"/>
+        <a:font script="Laoo" typeface="DokChampa"/>
+        <a:font script="Sinh" typeface="Iskoola Pota"/>
+        <a:font script="Mong" typeface="Mongolian Baiti"/>
+        <a:font script="Viet" typeface="Times New Roman"/>
+        <a:font script="Uigh" typeface="Microsoft Uighur"/>
+        <a:font script="Geor" typeface="Sylfaen"/>
+      </a:majorFont>
+      <a:minorFont>
+        <a:latin typeface="Arial"/>
+        <a:ea typeface=""/>
+        <a:cs typeface=""/>
+        <a:font script="Jpan" typeface="ＭＳ Ｐゴシック"/>
+        <a:font script="Hang" typeface="맑은 고딕"/>
+        <a:font script="Hans" typeface="宋体"/>
+        <a:font script="Hant" typeface="新細明體"/>
+        <a:font script="Arab" typeface="Arial"/>
+        <a:font script="Hebr" typeface="Arial"/>
+        <a:font script="Thai" typeface="Cordia New"/>
+        <a:font script="Ethi" typeface="Nyala"/>
+        <a:font script="Beng" typeface="Vrinda"/>
+        <a:font script="Gujr" typeface="Shruti"/>
+        <a:font script="Khmr" typeface="DaunPenh"/>
+        <a:font script="Knda" typeface="Tunga"/>
+        <a:font script="Guru" typeface="Raavi"/>
+        <a:font script="Cans" typeface="Euphemia"/>
+        <a:font script="Cher" typeface="Plantagenet Cherokee"/>
+        <a:font script="Yiii" typeface="Microsoft Yi Baiti"/>
+        <a:font script="Tibt" typeface="Microsoft Himalaya"/>
+        <a:font script="Thaa" typeface="MV Boli"/>
+        <a:font script="Deva" typeface="Mangal"/>
+        <a:font script="Telu" typeface="Gautami"/>
+        <a:font script="Taml" typeface="Latha"/>
+        <a:font script="Syrc" typeface="Estrangelo Edessa"/>
+        <a:font script="Orya" typeface="Kalinga"/>
+        <a:font script="Mlym" typeface="Kartika"/>
+        <a:font script="Laoo" typeface="DokChampa"/>
+        <a:font script="Sinh" typeface="Iskoola Pota"/>
+        <a:font script="Mong" typeface="Mongolian Baiti"/>
+        <a:font script="Viet" typeface="Arial"/>
+        <a:font script="Uigh" typeface="Microsoft Uighur"/>
+        <a:font script="Geor" typeface="Sylfaen"/>
+      </a:minorFont>
+    </a:fontScheme>
+    <a:fmtScheme name="Office">
+      <a:fillStyleLst>
+        <a:solidFill>
+          <a:schemeClr val="phClr"/>
+        </a:solidFill>
+        <a:gradFill rotWithShape="1">
+          <a:gsLst>
+            <a:gs pos="0">
+              <a:schemeClr val="phClr">
+                <a:tint val="50000"/>
+                <a:satMod val="300000"/>
+              </a:schemeClr>
+            </a:gs>
+            <a:gs pos="35000">
+              <a:schemeClr val="phClr">
+                <a:tint val="37000"/>
+                <a:satMod val="300000"/>
+              </a:schemeClr>
+            </a:gs>
+            <a:gs pos="100000">
+              <a:schemeClr val="phClr">
+                <a:tint val="15000"/>
+                <a:satMod val="350000"/>
+              </a:schemeClr>
+            </a:gs>
+          </a:gsLst>
+          <a:lin ang="16200000" scaled="1"/>
+        </a:gradFill>
+        <a:gradFill rotWithShape="1">
+          <a:gsLst>
+            <a:gs pos="0">
+              <a:schemeClr val="phClr">
+                <a:tint val="100000"/>
+                <a:shade val="100000"/>
+                <a:satMod val="130000"/>
+              </a:schemeClr>
+            </a:gs>
+            <a:gs pos="100000">
+              <a:schemeClr val="phClr">
+                <a:tint val="50000"/>
+                <a:shade val="100000"/>
+                <a:satMod val="350000"/>
+              </a:schemeClr>
+            </a:gs>
+          </a:gsLst>
+          <a:lin ang="16200000" scaled="0"/>
+        </a:gradFill>
+      </a:fillStyleLst>
+      <a:lnStyleLst>
+        <a:ln w="9525" cap="flat" cmpd="sng" algn="ctr">
+          <a:solidFill>
+            <a:schemeClr val="phClr">
+              <a:shade val="95000"/>
+              <a:satMod val="105000"/>
+            </a:schemeClr>
+          </a:solidFill>
+          <a:prstDash val="solid"/>
+        </a:ln>
+        <a:ln w="25400" cap="flat" cmpd="sng" algn="ctr">
+          <a:solidFill>
+            <a:schemeClr val="phClr"/>
+          </a:solidFill>
+          <a:prstDash val="solid"/>
+        </a:ln>
+        <a:ln w="38100" cap="flat" cmpd="sng" algn="ctr">
+          <a:solidFill>
+            <a:schemeClr val="phClr"/>
+          </a:solidFill>
+          <a:prstDash val="solid"/>
+        </a:ln>
+      </a:lnStyleLst>
+      <a:effectStyleLst>
+        <a:effectStyle>
+          <a:effectLst>
+            <a:outerShdw blurRad="40000" dist="20000" dir="5400000" rotWithShape="0">
+              <a:srgbClr val="000000">
+                <a:alpha val="38000"/>
+              </a:srgbClr>
+            </a:outerShdw>
+          </a:effectLst>
+        </a:effectStyle>
+        <a:effectStyle>
+          <a:effectLst>
+            <a:outerShdw blurRad="40000" dist="23000" dir="5400000" rotWithShape="0">
+              <a:srgbClr val="000000">
+                <a:alpha val="35000"/>
+              </a:srgbClr>
+            </a:outerShdw>
+          </a:effectLst>
+        </a:effectStyle>
+        <a:effectStyle>
+          <a:effectLst>
+            <a:outerShdw blurRad="40000" dist="23000" dir="5400000" rotWithShape="0">
+              <a:srgbClr val="000000">
+                <a:alpha val="35000"/>
+              </a:srgbClr>
+            </a:outerShdw>
+          </a:effectLst>
+          <a:scene3d>
+            <a:camera prst="orthographicFront">
+              <a:rot lat="0" lon="0" rev="0"/>
+            </a:camera>
+            <a:lightRig rig="threePt" dir="t">
+              <a:rot lat="0" lon="0" rev="1200000"/>
+            </a:lightRig>
+          </a:scene3d>
+          <a:sp3d>
+            <a:bevelT w="63500" h="25400"/>
+          </a:sp3d>
+        </a:effectStyle>
+      </a:effectStyleLst>
+      <a:bgFillStyleLst>
+        <a:solidFill>
+          <a:schemeClr val="phClr"/>
+        </a:solidFill>
+        <a:gradFill rotWithShape="1">
+          <a:gsLst>
+            <a:gs pos="0">
+              <a:schemeClr val="phClr">
+                <a:tint val="40000"/>
+                <a:satMod val="350000"/>
+              </a:schemeClr>
+            </a:gs>
+            <a:gs pos="40000">
+              <a:schemeClr val="phClr">
+                <a:tint val="45000"/>
+                <a:shade val="99000"/>
+                <a:satMod val="350000"/>
+              </a:schemeClr>
+            </a:gs>
+            <a:gs pos="100000">
+              <a:schemeClr val="phClr">
+                <a:shade val="20000"/>
+                <a:satMod val="255000"/>
+              </a:schemeClr>
+            </a:gs>
+          </a:gsLst>
+          <a:path path="circle">
+            <a:fillToRect l="50000" t="-80000" r="50000" b="180000"/>
+          </a:path>
+        </a:gradFill>
+        <a:gradFill rotWithShape="1">
+          <a:gsLst>
+            <a:gs pos="0">
+              <a:schemeClr val="phClr">
+                <a:tint val="80000"/>
+                <a:satMod val="300000"/>
+              </a:schemeClr>
+            </a:gs>
+            <a:gs pos="100000">
+              <a:schemeClr val="phClr">
+                <a:shade val="30000"/>
+                <a:satMod val="200000"/>
+              </a:schemeClr>
+            </a:gs>
+          </a:gsLst>
+          <a:path path="circle">
+            <a:fillToRect l="50000" t="50000" r="50000" b="50000"/>
+          </a:path>
+        </a:gradFill>
+      </a:bgFillStyleLst>
+    </a:fmtScheme>
+  </a:themeElements>
+</a:theme>
+</file>
+
+<file path=ppt/theme/theme2.xml><?xml version="1.0" encoding="utf-8"?>
 <a:theme xmlns:a="http://schemas.openxmlformats.org/drawingml/2006/main" xmlns:r="http://schemas.openxmlformats.org/officeDocument/2006/relationships" name="Simple Light">
   <a:themeElements>
     <a:clrScheme name="Simple Light">
@@ -17794,283 +18161,4 @@
     </a:fmtScheme>
   </a:themeElements>
 </a:theme>
-</file>
-
-<file path=ppt/theme/theme2.xml><?xml version="1.0" encoding="utf-8"?>
-<a:theme xmlns:a="http://schemas.openxmlformats.org/drawingml/2006/main" xmlns:r="http://schemas.openxmlformats.org/officeDocument/2006/relationships">
-  <a:themeElements>
-    <a:clrScheme name="Default">
-      <a:dk1>
-        <a:srgbClr val="000000"/>
-      </a:dk1>
-      <a:lt1>
-        <a:srgbClr val="FFFFFF"/>
-      </a:lt1>
-      <a:dk2>
-        <a:srgbClr val="158158"/>
-      </a:dk2>
-      <a:lt2>
-        <a:srgbClr val="F3F3F3"/>
-      </a:lt2>
-      <a:accent1>
-        <a:srgbClr val="058DC7"/>
-      </a:accent1>
-      <a:accent2>
-        <a:srgbClr val="50B432"/>
-      </a:accent2>
-      <a:accent3>
-        <a:srgbClr val="ED561B"/>
-      </a:accent3>
-      <a:accent4>
-        <a:srgbClr val="EDEF00"/>
-      </a:accent4>
-      <a:accent5>
-        <a:srgbClr val="24CBE5"/>
-      </a:accent5>
-      <a:accent6>
-        <a:srgbClr val="64E572"/>
-      </a:accent6>
-      <a:hlink>
-        <a:srgbClr val="2200CC"/>
-      </a:hlink>
-      <a:folHlink>
-        <a:srgbClr val="551A8B"/>
-      </a:folHlink>
-    </a:clrScheme>
-    <a:fontScheme name="Office">
-      <a:majorFont>
-        <a:latin typeface="Arial"/>
-        <a:ea typeface=""/>
-        <a:cs typeface=""/>
-        <a:font script="Jpan" typeface="ＭＳ Ｐゴシック"/>
-        <a:font script="Hang" typeface="맑은 고딕"/>
-        <a:font script="Hans" typeface="宋体"/>
-        <a:font script="Hant" typeface="新細明體"/>
-        <a:font script="Arab" typeface="Times New Roman"/>
-        <a:font script="Hebr" typeface="Times New Roman"/>
-        <a:font script="Thai" typeface="Angsana New"/>
-        <a:font script="Ethi" typeface="Nyala"/>
-        <a:font script="Beng" typeface="Vrinda"/>
-        <a:font script="Gujr" typeface="Shruti"/>
-        <a:font script="Khmr" typeface="MoolBoran"/>
-        <a:font script="Knda" typeface="Tunga"/>
-        <a:font script="Guru" typeface="Raavi"/>
-        <a:font script="Cans" typeface="Euphemia"/>
-        <a:font script="Cher" typeface="Plantagenet Cherokee"/>
-        <a:font script="Yiii" typeface="Microsoft Yi Baiti"/>
-        <a:font script="Tibt" typeface="Microsoft Himalaya"/>
-        <a:font script="Thaa" typeface="MV Boli"/>
-        <a:font script="Deva" typeface="Mangal"/>
-        <a:font script="Telu" typeface="Gautami"/>
-        <a:font script="Taml" typeface="Latha"/>
-        <a:font script="Syrc" typeface="Estrangelo Edessa"/>
-        <a:font script="Orya" typeface="Kalinga"/>
-        <a:font script="Mlym" typeface="Kartika"/>
-        <a:font script="Laoo" typeface="DokChampa"/>
-        <a:font script="Sinh" typeface="Iskoola Pota"/>
-        <a:font script="Mong" typeface="Mongolian Baiti"/>
-        <a:font script="Viet" typeface="Times New Roman"/>
-        <a:font script="Uigh" typeface="Microsoft Uighur"/>
-        <a:font script="Geor" typeface="Sylfaen"/>
-      </a:majorFont>
-      <a:minorFont>
-        <a:latin typeface="Arial"/>
-        <a:ea typeface=""/>
-        <a:cs typeface=""/>
-        <a:font script="Jpan" typeface="ＭＳ Ｐゴシック"/>
-        <a:font script="Hang" typeface="맑은 고딕"/>
-        <a:font script="Hans" typeface="宋体"/>
-        <a:font script="Hant" typeface="新細明體"/>
-        <a:font script="Arab" typeface="Arial"/>
-        <a:font script="Hebr" typeface="Arial"/>
-        <a:font script="Thai" typeface="Cordia New"/>
-        <a:font script="Ethi" typeface="Nyala"/>
-        <a:font script="Beng" typeface="Vrinda"/>
-        <a:font script="Gujr" typeface="Shruti"/>
-        <a:font script="Khmr" typeface="DaunPenh"/>
-        <a:font script="Knda" typeface="Tunga"/>
-        <a:font script="Guru" typeface="Raavi"/>
-        <a:font script="Cans" typeface="Euphemia"/>
-        <a:font script="Cher" typeface="Plantagenet Cherokee"/>
-        <a:font script="Yiii" typeface="Microsoft Yi Baiti"/>
-        <a:font script="Tibt" typeface="Microsoft Himalaya"/>
-        <a:font script="Thaa" typeface="MV Boli"/>
-        <a:font script="Deva" typeface="Mangal"/>
-        <a:font script="Telu" typeface="Gautami"/>
-        <a:font script="Taml" typeface="Latha"/>
-        <a:font script="Syrc" typeface="Estrangelo Edessa"/>
-        <a:font script="Orya" typeface="Kalinga"/>
-        <a:font script="Mlym" typeface="Kartika"/>
-        <a:font script="Laoo" typeface="DokChampa"/>
-        <a:font script="Sinh" typeface="Iskoola Pota"/>
-        <a:font script="Mong" typeface="Mongolian Baiti"/>
-        <a:font script="Viet" typeface="Arial"/>
-        <a:font script="Uigh" typeface="Microsoft Uighur"/>
-        <a:font script="Geor" typeface="Sylfaen"/>
-      </a:minorFont>
-    </a:fontScheme>
-    <a:fmtScheme name="Office">
-      <a:fillStyleLst>
-        <a:solidFill>
-          <a:schemeClr val="phClr"/>
-        </a:solidFill>
-        <a:gradFill rotWithShape="1">
-          <a:gsLst>
-            <a:gs pos="0">
-              <a:schemeClr val="phClr">
-                <a:tint val="50000"/>
-                <a:satMod val="300000"/>
-              </a:schemeClr>
-            </a:gs>
-            <a:gs pos="35000">
-              <a:schemeClr val="phClr">
-                <a:tint val="37000"/>
-                <a:satMod val="300000"/>
-              </a:schemeClr>
-            </a:gs>
-            <a:gs pos="100000">
-              <a:schemeClr val="phClr">
-                <a:tint val="15000"/>
-                <a:satMod val="350000"/>
-              </a:schemeClr>
-            </a:gs>
-          </a:gsLst>
-          <a:lin ang="16200000" scaled="1"/>
-        </a:gradFill>
-        <a:gradFill rotWithShape="1">
-          <a:gsLst>
-            <a:gs pos="0">
-              <a:schemeClr val="phClr">
-                <a:tint val="100000"/>
-                <a:shade val="100000"/>
-                <a:satMod val="130000"/>
-              </a:schemeClr>
-            </a:gs>
-            <a:gs pos="100000">
-              <a:schemeClr val="phClr">
-                <a:tint val="50000"/>
-                <a:shade val="100000"/>
-                <a:satMod val="350000"/>
-              </a:schemeClr>
-            </a:gs>
-          </a:gsLst>
-          <a:lin ang="16200000" scaled="0"/>
-        </a:gradFill>
-      </a:fillStyleLst>
-      <a:lnStyleLst>
-        <a:ln w="9525" cap="flat" cmpd="sng" algn="ctr">
-          <a:solidFill>
-            <a:schemeClr val="phClr">
-              <a:shade val="95000"/>
-              <a:satMod val="105000"/>
-            </a:schemeClr>
-          </a:solidFill>
-          <a:prstDash val="solid"/>
-        </a:ln>
-        <a:ln w="25400" cap="flat" cmpd="sng" algn="ctr">
-          <a:solidFill>
-            <a:schemeClr val="phClr"/>
-          </a:solidFill>
-          <a:prstDash val="solid"/>
-        </a:ln>
-        <a:ln w="38100" cap="flat" cmpd="sng" algn="ctr">
-          <a:solidFill>
-            <a:schemeClr val="phClr"/>
-          </a:solidFill>
-          <a:prstDash val="solid"/>
-        </a:ln>
-      </a:lnStyleLst>
-      <a:effectStyleLst>
-        <a:effectStyle>
-          <a:effectLst>
-            <a:outerShdw blurRad="40000" dist="20000" dir="5400000" rotWithShape="0">
-              <a:srgbClr val="000000">
-                <a:alpha val="38000"/>
-              </a:srgbClr>
-            </a:outerShdw>
-          </a:effectLst>
-        </a:effectStyle>
-        <a:effectStyle>
-          <a:effectLst>
-            <a:outerShdw blurRad="40000" dist="23000" dir="5400000" rotWithShape="0">
-              <a:srgbClr val="000000">
-                <a:alpha val="35000"/>
-              </a:srgbClr>
-            </a:outerShdw>
-          </a:effectLst>
-        </a:effectStyle>
-        <a:effectStyle>
-          <a:effectLst>
-            <a:outerShdw blurRad="40000" dist="23000" dir="5400000" rotWithShape="0">
-              <a:srgbClr val="000000">
-                <a:alpha val="35000"/>
-              </a:srgbClr>
-            </a:outerShdw>
-          </a:effectLst>
-          <a:scene3d>
-            <a:camera prst="orthographicFront">
-              <a:rot lat="0" lon="0" rev="0"/>
-            </a:camera>
-            <a:lightRig rig="threePt" dir="t">
-              <a:rot lat="0" lon="0" rev="1200000"/>
-            </a:lightRig>
-          </a:scene3d>
-          <a:sp3d>
-            <a:bevelT w="63500" h="25400"/>
-          </a:sp3d>
-        </a:effectStyle>
-      </a:effectStyleLst>
-      <a:bgFillStyleLst>
-        <a:solidFill>
-          <a:schemeClr val="phClr"/>
-        </a:solidFill>
-        <a:gradFill rotWithShape="1">
-          <a:gsLst>
-            <a:gs pos="0">
-              <a:schemeClr val="phClr">
-                <a:tint val="40000"/>
-                <a:satMod val="350000"/>
-              </a:schemeClr>
-            </a:gs>
-            <a:gs pos="40000">
-              <a:schemeClr val="phClr">
-                <a:tint val="45000"/>
-                <a:shade val="99000"/>
-                <a:satMod val="350000"/>
-              </a:schemeClr>
-            </a:gs>
-            <a:gs pos="100000">
-              <a:schemeClr val="phClr">
-                <a:shade val="20000"/>
-                <a:satMod val="255000"/>
-              </a:schemeClr>
-            </a:gs>
-          </a:gsLst>
-          <a:path path="circle">
-            <a:fillToRect l="50000" t="-80000" r="50000" b="180000"/>
-          </a:path>
-        </a:gradFill>
-        <a:gradFill rotWithShape="1">
-          <a:gsLst>
-            <a:gs pos="0">
-              <a:schemeClr val="phClr">
-                <a:tint val="80000"/>
-                <a:satMod val="300000"/>
-              </a:schemeClr>
-            </a:gs>
-            <a:gs pos="100000">
-              <a:schemeClr val="phClr">
-                <a:shade val="30000"/>
-                <a:satMod val="200000"/>
-              </a:schemeClr>
-            </a:gs>
-          </a:gsLst>
-          <a:path path="circle">
-            <a:fillToRect l="50000" t="50000" r="50000" b="50000"/>
-          </a:path>
-        </a:gradFill>
-      </a:bgFillStyleLst>
-    </a:fmtScheme>
-  </a:themeElements>
-</a:theme>
 </file>